--- a/APBO_dan_Desain-SI/2.Gambaran Umum UML.pptx
+++ b/APBO_dan_Desain-SI/2.Gambaran Umum UML.pptx
@@ -326,7 +326,7 @@
           <a:p>
             <a:fld id="{1B3441C9-BF2F-4D17-81F3-805336543BCE}" type="datetimeFigureOut">
               <a:rPr lang="en-US" smtClean="0"/>
-              <a:t>5/24/2014</a:t>
+              <a:t>10/13/2015</a:t>
             </a:fld>
             <a:endParaRPr lang="en-US"/>
           </a:p>
@@ -496,7 +496,7 @@
           <a:p>
             <a:fld id="{1B3441C9-BF2F-4D17-81F3-805336543BCE}" type="datetimeFigureOut">
               <a:rPr lang="en-US" smtClean="0"/>
-              <a:t>5/24/2014</a:t>
+              <a:t>10/13/2015</a:t>
             </a:fld>
             <a:endParaRPr lang="en-US"/>
           </a:p>
@@ -676,7 +676,7 @@
           <a:p>
             <a:fld id="{1B3441C9-BF2F-4D17-81F3-805336543BCE}" type="datetimeFigureOut">
               <a:rPr lang="en-US" smtClean="0"/>
-              <a:t>5/24/2014</a:t>
+              <a:t>10/13/2015</a:t>
             </a:fld>
             <a:endParaRPr lang="en-US"/>
           </a:p>
@@ -846,7 +846,7 @@
           <a:p>
             <a:fld id="{1B3441C9-BF2F-4D17-81F3-805336543BCE}" type="datetimeFigureOut">
               <a:rPr lang="en-US" smtClean="0"/>
-              <a:t>5/24/2014</a:t>
+              <a:t>10/13/2015</a:t>
             </a:fld>
             <a:endParaRPr lang="en-US"/>
           </a:p>
@@ -1092,7 +1092,7 @@
           <a:p>
             <a:fld id="{1B3441C9-BF2F-4D17-81F3-805336543BCE}" type="datetimeFigureOut">
               <a:rPr lang="en-US" smtClean="0"/>
-              <a:t>5/24/2014</a:t>
+              <a:t>10/13/2015</a:t>
             </a:fld>
             <a:endParaRPr lang="en-US"/>
           </a:p>
@@ -1380,7 +1380,7 @@
           <a:p>
             <a:fld id="{1B3441C9-BF2F-4D17-81F3-805336543BCE}" type="datetimeFigureOut">
               <a:rPr lang="en-US" smtClean="0"/>
-              <a:t>5/24/2014</a:t>
+              <a:t>10/13/2015</a:t>
             </a:fld>
             <a:endParaRPr lang="en-US"/>
           </a:p>
@@ -1802,7 +1802,7 @@
           <a:p>
             <a:fld id="{1B3441C9-BF2F-4D17-81F3-805336543BCE}" type="datetimeFigureOut">
               <a:rPr lang="en-US" smtClean="0"/>
-              <a:t>5/24/2014</a:t>
+              <a:t>10/13/2015</a:t>
             </a:fld>
             <a:endParaRPr lang="en-US"/>
           </a:p>
@@ -1920,7 +1920,7 @@
           <a:p>
             <a:fld id="{1B3441C9-BF2F-4D17-81F3-805336543BCE}" type="datetimeFigureOut">
               <a:rPr lang="en-US" smtClean="0"/>
-              <a:t>5/24/2014</a:t>
+              <a:t>10/13/2015</a:t>
             </a:fld>
             <a:endParaRPr lang="en-US"/>
           </a:p>
@@ -2015,7 +2015,7 @@
           <a:p>
             <a:fld id="{1B3441C9-BF2F-4D17-81F3-805336543BCE}" type="datetimeFigureOut">
               <a:rPr lang="en-US" smtClean="0"/>
-              <a:t>5/24/2014</a:t>
+              <a:t>10/13/2015</a:t>
             </a:fld>
             <a:endParaRPr lang="en-US"/>
           </a:p>
@@ -2292,7 +2292,7 @@
           <a:p>
             <a:fld id="{1B3441C9-BF2F-4D17-81F3-805336543BCE}" type="datetimeFigureOut">
               <a:rPr lang="en-US" smtClean="0"/>
-              <a:t>5/24/2014</a:t>
+              <a:t>10/13/2015</a:t>
             </a:fld>
             <a:endParaRPr lang="en-US"/>
           </a:p>
@@ -2545,7 +2545,7 @@
           <a:p>
             <a:fld id="{1B3441C9-BF2F-4D17-81F3-805336543BCE}" type="datetimeFigureOut">
               <a:rPr lang="en-US" smtClean="0"/>
-              <a:t>5/24/2014</a:t>
+              <a:t>10/13/2015</a:t>
             </a:fld>
             <a:endParaRPr lang="en-US"/>
           </a:p>
@@ -2758,7 +2758,7 @@
           <a:p>
             <a:fld id="{1B3441C9-BF2F-4D17-81F3-805336543BCE}" type="datetimeFigureOut">
               <a:rPr lang="en-US" smtClean="0"/>
-              <a:t>5/24/2014</a:t>
+              <a:t>10/13/2015</a:t>
             </a:fld>
             <a:endParaRPr lang="en-US"/>
           </a:p>
@@ -9366,8 +9366,12 @@
               <a:t>fungsi</a:t>
             </a:r>
             <a:r>
-              <a:rPr lang="en-US" dirty="0" smtClean="0"/>
-              <a:t> (use case) </a:t>
+              <a:rPr lang="en-US" dirty="0" err="1" smtClean="0"/>
+              <a:t>-fungsi</a:t>
+            </a:r>
+            <a:r>
+              <a:rPr lang="en-US" dirty="0" smtClean="0"/>
+              <a:t> </a:t>
             </a:r>
             <a:r>
               <a:rPr lang="en-US" dirty="0" err="1" smtClean="0"/>
@@ -9390,8 +9394,20 @@
               <a:t>sistem</a:t>
             </a:r>
             <a:r>
-              <a:rPr lang="en-US" dirty="0" smtClean="0"/>
-              <a:t> yang </a:t>
+              <a:rPr lang="en-US" dirty="0"/>
+              <a:t> </a:t>
+            </a:r>
+            <a:r>
+              <a:rPr lang="en-US" dirty="0" smtClean="0"/>
+              <a:t>(hardware/software)</a:t>
+            </a:r>
+            <a:r>
+              <a:rPr lang="en-US" dirty="0" smtClean="0"/>
+              <a:t> </a:t>
+            </a:r>
+            <a:r>
+              <a:rPr lang="en-US" dirty="0" smtClean="0"/>
+              <a:t>yang </a:t>
             </a:r>
             <a:r>
               <a:rPr lang="en-US" dirty="0" err="1" smtClean="0"/>
